--- a/ppt/4_daemon_security.pptx
+++ b/ppt/4_daemon_security.pptx
@@ -5,7 +5,7 @@
     <p:sldMasterId id="2147483660" r:id="rId1"/>
   </p:sldMasterIdLst>
   <p:notesMasterIdLst>
-    <p:notesMasterId r:id="rId9"/>
+    <p:notesMasterId r:id="rId10"/>
   </p:notesMasterIdLst>
   <p:sldIdLst>
     <p:sldId id="256" r:id="rId2"/>
@@ -15,6 +15,7 @@
     <p:sldId id="343" r:id="rId6"/>
     <p:sldId id="344" r:id="rId7"/>
     <p:sldId id="345" r:id="rId8"/>
+    <p:sldId id="346" r:id="rId9"/>
   </p:sldIdLst>
   <p:sldSz cx="12192000" cy="6858000"/>
   <p:notesSz cx="6858000" cy="9144000"/>
@@ -203,7 +204,7 @@
           <a:p>
             <a:fld id="{E41020DF-27A1-324C-A223-BEC5FC28B703}" type="datetimeFigureOut">
               <a:rPr lang="es-ES" smtClean="0"/>
-              <a:t>29/3/25</a:t>
+              <a:t>31/3/25</a:t>
             </a:fld>
             <a:endParaRPr lang="es-ES"/>
           </a:p>
@@ -1242,7 +1243,7 @@
             <a:fld id="{87DE6118-2437-4B30-8E3C-4D2BE6020583}" type="datetimeFigureOut">
               <a:rPr lang="en-US" smtClean="0"/>
               <a:pPr/>
-              <a:t>3/29/25</a:t>
+              <a:t>3/31/25</a:t>
             </a:fld>
             <a:endParaRPr lang="en-US" dirty="0"/>
           </a:p>
@@ -1441,7 +1442,7 @@
           <a:p>
             <a:fld id="{87DE6118-2437-4B30-8E3C-4D2BE6020583}" type="datetimeFigureOut">
               <a:rPr lang="en-US" smtClean="0"/>
-              <a:t>3/29/25</a:t>
+              <a:t>3/31/25</a:t>
             </a:fld>
             <a:endParaRPr lang="en-US" dirty="0"/>
           </a:p>
@@ -1649,7 +1650,7 @@
           <a:p>
             <a:fld id="{87DE6118-2437-4B30-8E3C-4D2BE6020583}" type="datetimeFigureOut">
               <a:rPr lang="en-US" smtClean="0"/>
-              <a:t>3/29/25</a:t>
+              <a:t>3/31/25</a:t>
             </a:fld>
             <a:endParaRPr lang="en-US" dirty="0"/>
           </a:p>
@@ -1847,7 +1848,7 @@
           <a:p>
             <a:fld id="{87DE6118-2437-4B30-8E3C-4D2BE6020583}" type="datetimeFigureOut">
               <a:rPr lang="en-US" smtClean="0"/>
-              <a:t>3/29/25</a:t>
+              <a:t>3/31/25</a:t>
             </a:fld>
             <a:endParaRPr lang="en-US" dirty="0"/>
           </a:p>
@@ -2123,7 +2124,7 @@
             <a:fld id="{87DE6118-2437-4B30-8E3C-4D2BE6020583}" type="datetimeFigureOut">
               <a:rPr lang="en-US" smtClean="0"/>
               <a:pPr/>
-              <a:t>3/29/25</a:t>
+              <a:t>3/31/25</a:t>
             </a:fld>
             <a:endParaRPr lang="en-US" dirty="0"/>
           </a:p>
@@ -2389,7 +2390,7 @@
           <a:p>
             <a:fld id="{87DE6118-2437-4B30-8E3C-4D2BE6020583}" type="datetimeFigureOut">
               <a:rPr lang="en-US" smtClean="0"/>
-              <a:t>3/29/25</a:t>
+              <a:t>3/31/25</a:t>
             </a:fld>
             <a:endParaRPr lang="en-US" dirty="0"/>
           </a:p>
@@ -2801,7 +2802,7 @@
           <a:p>
             <a:fld id="{87DE6118-2437-4B30-8E3C-4D2BE6020583}" type="datetimeFigureOut">
               <a:rPr lang="en-US" smtClean="0"/>
-              <a:t>3/29/25</a:t>
+              <a:t>3/31/25</a:t>
             </a:fld>
             <a:endParaRPr lang="en-US" dirty="0"/>
           </a:p>
@@ -2942,7 +2943,7 @@
           <a:p>
             <a:fld id="{87DE6118-2437-4B30-8E3C-4D2BE6020583}" type="datetimeFigureOut">
               <a:rPr lang="en-US" smtClean="0"/>
-              <a:t>3/29/25</a:t>
+              <a:t>3/31/25</a:t>
             </a:fld>
             <a:endParaRPr lang="en-US" dirty="0"/>
           </a:p>
@@ -3055,7 +3056,7 @@
           <a:p>
             <a:fld id="{87DE6118-2437-4B30-8E3C-4D2BE6020583}" type="datetimeFigureOut">
               <a:rPr lang="en-US" smtClean="0"/>
-              <a:t>3/29/25</a:t>
+              <a:t>3/31/25</a:t>
             </a:fld>
             <a:endParaRPr lang="en-US" dirty="0"/>
           </a:p>
@@ -3367,7 +3368,7 @@
             <a:fld id="{87DE6118-2437-4B30-8E3C-4D2BE6020583}" type="datetimeFigureOut">
               <a:rPr lang="en-US" smtClean="0"/>
               <a:pPr/>
-              <a:t>3/29/25</a:t>
+              <a:t>3/31/25</a:t>
             </a:fld>
             <a:endParaRPr lang="en-US" dirty="0"/>
           </a:p>
@@ -3657,7 +3658,7 @@
             <a:fld id="{87DE6118-2437-4B30-8E3C-4D2BE6020583}" type="datetimeFigureOut">
               <a:rPr lang="en-US" smtClean="0"/>
               <a:pPr/>
-              <a:t>3/29/25</a:t>
+              <a:t>3/31/25</a:t>
             </a:fld>
             <a:endParaRPr lang="en-US" dirty="0"/>
           </a:p>
@@ -3900,7 +3901,7 @@
             <a:fld id="{87DE6118-2437-4B30-8E3C-4D2BE6020583}" type="datetimeFigureOut">
               <a:rPr lang="en-US" smtClean="0"/>
               <a:pPr/>
-              <a:t>3/29/25</a:t>
+              <a:t>3/31/25</a:t>
             </a:fld>
             <a:endParaRPr lang="en-US" dirty="0"/>
           </a:p>
@@ -14757,6 +14758,83 @@
     <p:extLst>
       <p:ext uri="{BB962C8B-B14F-4D97-AF65-F5344CB8AC3E}">
         <p14:creationId xmlns:p14="http://schemas.microsoft.com/office/powerpoint/2010/main" val="2663007971"/>
+      </p:ext>
+    </p:extLst>
+  </p:cSld>
+  <p:clrMapOvr>
+    <a:masterClrMapping/>
+  </p:clrMapOvr>
+</p:sld>
+</file>
+
+<file path=ppt/slides/slide8.xml><?xml version="1.0" encoding="utf-8"?>
+<p:sld xmlns:a="http://schemas.openxmlformats.org/drawingml/2006/main" xmlns:r="http://schemas.openxmlformats.org/officeDocument/2006/relationships" xmlns:p="http://schemas.openxmlformats.org/presentationml/2006/main">
+  <p:cSld>
+    <p:spTree>
+      <p:nvGrpSpPr>
+        <p:cNvPr id="1" name=""/>
+        <p:cNvGrpSpPr/>
+        <p:nvPr/>
+      </p:nvGrpSpPr>
+      <p:grpSpPr>
+        <a:xfrm>
+          <a:off x="0" y="0"/>
+          <a:ext cx="0" cy="0"/>
+          <a:chOff x="0" y="0"/>
+          <a:chExt cx="0" cy="0"/>
+        </a:xfrm>
+      </p:grpSpPr>
+      <p:pic>
+        <p:nvPicPr>
+          <p:cNvPr id="1028" name="Picture 4">
+            <a:extLst>
+              <a:ext uri="{FF2B5EF4-FFF2-40B4-BE49-F238E27FC236}">
+                <a16:creationId xmlns:a16="http://schemas.microsoft.com/office/drawing/2014/main" id="{89073E09-F0CE-D606-B114-DDB246EED9DC}"/>
+              </a:ext>
+            </a:extLst>
+          </p:cNvPr>
+          <p:cNvPicPr>
+            <a:picLocks noChangeAspect="1" noChangeArrowheads="1"/>
+          </p:cNvPicPr>
+          <p:nvPr/>
+        </p:nvPicPr>
+        <p:blipFill>
+          <a:blip r:embed="rId2">
+            <a:extLst>
+              <a:ext uri="{28A0092B-C50C-407E-A947-70E740481C1C}">
+                <a14:useLocalDpi xmlns:a14="http://schemas.microsoft.com/office/drawing/2010/main" val="0"/>
+              </a:ext>
+            </a:extLst>
+          </a:blip>
+          <a:srcRect/>
+          <a:stretch>
+            <a:fillRect/>
+          </a:stretch>
+        </p:blipFill>
+        <p:spPr bwMode="auto">
+          <a:xfrm>
+            <a:off x="773509" y="265819"/>
+            <a:ext cx="10644981" cy="6326362"/>
+          </a:xfrm>
+          <a:prstGeom prst="rect">
+            <a:avLst/>
+          </a:prstGeom>
+          <a:noFill/>
+          <a:extLst>
+            <a:ext uri="{909E8E84-426E-40DD-AFC4-6F175D3DCCD1}">
+              <a14:hiddenFill xmlns:a14="http://schemas.microsoft.com/office/drawing/2010/main">
+                <a:solidFill>
+                  <a:srgbClr val="FFFFFF"/>
+                </a:solidFill>
+              </a14:hiddenFill>
+            </a:ext>
+          </a:extLst>
+        </p:spPr>
+      </p:pic>
+    </p:spTree>
+    <p:extLst>
+      <p:ext uri="{BB962C8B-B14F-4D97-AF65-F5344CB8AC3E}">
+        <p14:creationId xmlns:p14="http://schemas.microsoft.com/office/powerpoint/2010/main" val="1232936122"/>
       </p:ext>
     </p:extLst>
   </p:cSld>

--- a/ppt/4_daemon_security.pptx
+++ b/ppt/4_daemon_security.pptx
@@ -204,7 +204,7 @@
           <a:p>
             <a:fld id="{E41020DF-27A1-324C-A223-BEC5FC28B703}" type="datetimeFigureOut">
               <a:rPr lang="es-ES" smtClean="0"/>
-              <a:t>31/3/25</a:t>
+              <a:t>3/4/25</a:t>
             </a:fld>
             <a:endParaRPr lang="es-ES"/>
           </a:p>
@@ -1243,7 +1243,7 @@
             <a:fld id="{87DE6118-2437-4B30-8E3C-4D2BE6020583}" type="datetimeFigureOut">
               <a:rPr lang="en-US" smtClean="0"/>
               <a:pPr/>
-              <a:t>3/31/25</a:t>
+              <a:t>4/3/25</a:t>
             </a:fld>
             <a:endParaRPr lang="en-US" dirty="0"/>
           </a:p>
@@ -1442,7 +1442,7 @@
           <a:p>
             <a:fld id="{87DE6118-2437-4B30-8E3C-4D2BE6020583}" type="datetimeFigureOut">
               <a:rPr lang="en-US" smtClean="0"/>
-              <a:t>3/31/25</a:t>
+              <a:t>4/3/25</a:t>
             </a:fld>
             <a:endParaRPr lang="en-US" dirty="0"/>
           </a:p>
@@ -1650,7 +1650,7 @@
           <a:p>
             <a:fld id="{87DE6118-2437-4B30-8E3C-4D2BE6020583}" type="datetimeFigureOut">
               <a:rPr lang="en-US" smtClean="0"/>
-              <a:t>3/31/25</a:t>
+              <a:t>4/3/25</a:t>
             </a:fld>
             <a:endParaRPr lang="en-US" dirty="0"/>
           </a:p>
@@ -1848,7 +1848,7 @@
           <a:p>
             <a:fld id="{87DE6118-2437-4B30-8E3C-4D2BE6020583}" type="datetimeFigureOut">
               <a:rPr lang="en-US" smtClean="0"/>
-              <a:t>3/31/25</a:t>
+              <a:t>4/3/25</a:t>
             </a:fld>
             <a:endParaRPr lang="en-US" dirty="0"/>
           </a:p>
@@ -2124,7 +2124,7 @@
             <a:fld id="{87DE6118-2437-4B30-8E3C-4D2BE6020583}" type="datetimeFigureOut">
               <a:rPr lang="en-US" smtClean="0"/>
               <a:pPr/>
-              <a:t>3/31/25</a:t>
+              <a:t>4/3/25</a:t>
             </a:fld>
             <a:endParaRPr lang="en-US" dirty="0"/>
           </a:p>
@@ -2390,7 +2390,7 @@
           <a:p>
             <a:fld id="{87DE6118-2437-4B30-8E3C-4D2BE6020583}" type="datetimeFigureOut">
               <a:rPr lang="en-US" smtClean="0"/>
-              <a:t>3/31/25</a:t>
+              <a:t>4/3/25</a:t>
             </a:fld>
             <a:endParaRPr lang="en-US" dirty="0"/>
           </a:p>
@@ -2802,7 +2802,7 @@
           <a:p>
             <a:fld id="{87DE6118-2437-4B30-8E3C-4D2BE6020583}" type="datetimeFigureOut">
               <a:rPr lang="en-US" smtClean="0"/>
-              <a:t>3/31/25</a:t>
+              <a:t>4/3/25</a:t>
             </a:fld>
             <a:endParaRPr lang="en-US" dirty="0"/>
           </a:p>
@@ -2943,7 +2943,7 @@
           <a:p>
             <a:fld id="{87DE6118-2437-4B30-8E3C-4D2BE6020583}" type="datetimeFigureOut">
               <a:rPr lang="en-US" smtClean="0"/>
-              <a:t>3/31/25</a:t>
+              <a:t>4/3/25</a:t>
             </a:fld>
             <a:endParaRPr lang="en-US" dirty="0"/>
           </a:p>
@@ -3056,7 +3056,7 @@
           <a:p>
             <a:fld id="{87DE6118-2437-4B30-8E3C-4D2BE6020583}" type="datetimeFigureOut">
               <a:rPr lang="en-US" smtClean="0"/>
-              <a:t>3/31/25</a:t>
+              <a:t>4/3/25</a:t>
             </a:fld>
             <a:endParaRPr lang="en-US" dirty="0"/>
           </a:p>
@@ -3368,7 +3368,7 @@
             <a:fld id="{87DE6118-2437-4B30-8E3C-4D2BE6020583}" type="datetimeFigureOut">
               <a:rPr lang="en-US" smtClean="0"/>
               <a:pPr/>
-              <a:t>3/31/25</a:t>
+              <a:t>4/3/25</a:t>
             </a:fld>
             <a:endParaRPr lang="en-US" dirty="0"/>
           </a:p>
@@ -3658,7 +3658,7 @@
             <a:fld id="{87DE6118-2437-4B30-8E3C-4D2BE6020583}" type="datetimeFigureOut">
               <a:rPr lang="en-US" smtClean="0"/>
               <a:pPr/>
-              <a:t>3/31/25</a:t>
+              <a:t>4/3/25</a:t>
             </a:fld>
             <a:endParaRPr lang="en-US" dirty="0"/>
           </a:p>
@@ -3901,7 +3901,7 @@
             <a:fld id="{87DE6118-2437-4B30-8E3C-4D2BE6020583}" type="datetimeFigureOut">
               <a:rPr lang="en-US" smtClean="0"/>
               <a:pPr/>
-              <a:t>3/31/25</a:t>
+              <a:t>4/3/25</a:t>
             </a:fld>
             <a:endParaRPr lang="en-US" dirty="0"/>
           </a:p>
@@ -13797,11 +13797,17 @@
             </a:r>
             <a:r>
               <a:rPr lang="es-ES" sz="2800" b="1" i="1" dirty="0" err="1"/>
-              <a:t>daemond</a:t>
+              <a:t>dockerd</a:t>
             </a:r>
             <a:r>
               <a:rPr lang="es-ES" sz="2800" dirty="0"/>
-              <a:t> para crear imágenes o iniciar contenedores. Es fundamental </a:t>
+              <a:t> para crear imágenes o iniciar contenedores. </a:t>
+            </a:r>
+          </a:p>
+          <a:p>
+            <a:r>
+              <a:rPr lang="es-ES" sz="2800" dirty="0"/>
+              <a:t>Es fundamental </a:t>
             </a:r>
             <a:r>
               <a:rPr lang="es-ES" sz="2800" dirty="0" err="1"/>
@@ -13923,6 +13929,379 @@
   <p:clrMapOvr>
     <a:masterClrMapping/>
   </p:clrMapOvr>
+  <p:timing>
+    <p:tnLst>
+      <p:par>
+        <p:cTn id="1" dur="indefinite" restart="never" nodeType="tmRoot">
+          <p:childTnLst>
+            <p:seq concurrent="1" nextAc="seek">
+              <p:cTn id="2" dur="indefinite" nodeType="mainSeq">
+                <p:childTnLst>
+                  <p:par>
+                    <p:cTn id="3" fill="hold">
+                      <p:stCondLst>
+                        <p:cond delay="indefinite"/>
+                      </p:stCondLst>
+                      <p:childTnLst>
+                        <p:par>
+                          <p:cTn id="4" fill="hold">
+                            <p:stCondLst>
+                              <p:cond delay="0"/>
+                            </p:stCondLst>
+                            <p:childTnLst>
+                              <p:par>
+                                <p:cTn id="5" presetID="1" presetClass="entr" presetSubtype="0" fill="hold" nodeType="clickEffect">
+                                  <p:stCondLst>
+                                    <p:cond delay="0"/>
+                                  </p:stCondLst>
+                                  <p:childTnLst>
+                                    <p:set>
+                                      <p:cBhvr>
+                                        <p:cTn id="6" dur="1" fill="hold">
+                                          <p:stCondLst>
+                                            <p:cond delay="0"/>
+                                          </p:stCondLst>
+                                        </p:cTn>
+                                        <p:tgtEl>
+                                          <p:spTgt spid="24">
+                                            <p:txEl>
+                                              <p:pRg st="1" end="1"/>
+                                            </p:txEl>
+                                          </p:spTgt>
+                                        </p:tgtEl>
+                                        <p:attrNameLst>
+                                          <p:attrName>style.visibility</p:attrName>
+                                        </p:attrNameLst>
+                                      </p:cBhvr>
+                                      <p:to>
+                                        <p:strVal val="visible"/>
+                                      </p:to>
+                                    </p:set>
+                                  </p:childTnLst>
+                                </p:cTn>
+                              </p:par>
+                            </p:childTnLst>
+                          </p:cTn>
+                        </p:par>
+                      </p:childTnLst>
+                    </p:cTn>
+                  </p:par>
+                  <p:par>
+                    <p:cTn id="7" fill="hold">
+                      <p:stCondLst>
+                        <p:cond delay="indefinite"/>
+                      </p:stCondLst>
+                      <p:childTnLst>
+                        <p:par>
+                          <p:cTn id="8" fill="hold">
+                            <p:stCondLst>
+                              <p:cond delay="0"/>
+                            </p:stCondLst>
+                            <p:childTnLst>
+                              <p:par>
+                                <p:cTn id="9" presetID="1" presetClass="entr" presetSubtype="0" fill="hold" nodeType="clickEffect">
+                                  <p:stCondLst>
+                                    <p:cond delay="0"/>
+                                  </p:stCondLst>
+                                  <p:childTnLst>
+                                    <p:set>
+                                      <p:cBhvr>
+                                        <p:cTn id="10" dur="1" fill="hold">
+                                          <p:stCondLst>
+                                            <p:cond delay="0"/>
+                                          </p:stCondLst>
+                                        </p:cTn>
+                                        <p:tgtEl>
+                                          <p:spTgt spid="24">
+                                            <p:txEl>
+                                              <p:pRg st="3" end="3"/>
+                                            </p:txEl>
+                                          </p:spTgt>
+                                        </p:tgtEl>
+                                        <p:attrNameLst>
+                                          <p:attrName>style.visibility</p:attrName>
+                                        </p:attrNameLst>
+                                      </p:cBhvr>
+                                      <p:to>
+                                        <p:strVal val="visible"/>
+                                      </p:to>
+                                    </p:set>
+                                  </p:childTnLst>
+                                </p:cTn>
+                              </p:par>
+                            </p:childTnLst>
+                          </p:cTn>
+                        </p:par>
+                      </p:childTnLst>
+                    </p:cTn>
+                  </p:par>
+                  <p:par>
+                    <p:cTn id="11" fill="hold">
+                      <p:stCondLst>
+                        <p:cond delay="indefinite"/>
+                      </p:stCondLst>
+                      <p:childTnLst>
+                        <p:par>
+                          <p:cTn id="12" fill="hold">
+                            <p:stCondLst>
+                              <p:cond delay="0"/>
+                            </p:stCondLst>
+                            <p:childTnLst>
+                              <p:par>
+                                <p:cTn id="13" presetID="1" presetClass="entr" presetSubtype="0" fill="hold" nodeType="clickEffect">
+                                  <p:stCondLst>
+                                    <p:cond delay="0"/>
+                                  </p:stCondLst>
+                                  <p:childTnLst>
+                                    <p:set>
+                                      <p:cBhvr>
+                                        <p:cTn id="14" dur="1" fill="hold">
+                                          <p:stCondLst>
+                                            <p:cond delay="0"/>
+                                          </p:stCondLst>
+                                        </p:cTn>
+                                        <p:tgtEl>
+                                          <p:spTgt spid="24">
+                                            <p:txEl>
+                                              <p:pRg st="4" end="4"/>
+                                            </p:txEl>
+                                          </p:spTgt>
+                                        </p:tgtEl>
+                                        <p:attrNameLst>
+                                          <p:attrName>style.visibility</p:attrName>
+                                        </p:attrNameLst>
+                                      </p:cBhvr>
+                                      <p:to>
+                                        <p:strVal val="visible"/>
+                                      </p:to>
+                                    </p:set>
+                                  </p:childTnLst>
+                                </p:cTn>
+                              </p:par>
+                            </p:childTnLst>
+                          </p:cTn>
+                        </p:par>
+                      </p:childTnLst>
+                    </p:cTn>
+                  </p:par>
+                  <p:par>
+                    <p:cTn id="15" fill="hold">
+                      <p:stCondLst>
+                        <p:cond delay="indefinite"/>
+                      </p:stCondLst>
+                      <p:childTnLst>
+                        <p:par>
+                          <p:cTn id="16" fill="hold">
+                            <p:stCondLst>
+                              <p:cond delay="0"/>
+                            </p:stCondLst>
+                            <p:childTnLst>
+                              <p:par>
+                                <p:cTn id="17" presetID="1" presetClass="entr" presetSubtype="0" fill="hold" nodeType="clickEffect">
+                                  <p:stCondLst>
+                                    <p:cond delay="0"/>
+                                  </p:stCondLst>
+                                  <p:childTnLst>
+                                    <p:set>
+                                      <p:cBhvr>
+                                        <p:cTn id="18" dur="1" fill="hold">
+                                          <p:stCondLst>
+                                            <p:cond delay="0"/>
+                                          </p:stCondLst>
+                                        </p:cTn>
+                                        <p:tgtEl>
+                                          <p:spTgt spid="24">
+                                            <p:txEl>
+                                              <p:pRg st="5" end="5"/>
+                                            </p:txEl>
+                                          </p:spTgt>
+                                        </p:tgtEl>
+                                        <p:attrNameLst>
+                                          <p:attrName>style.visibility</p:attrName>
+                                        </p:attrNameLst>
+                                      </p:cBhvr>
+                                      <p:to>
+                                        <p:strVal val="visible"/>
+                                      </p:to>
+                                    </p:set>
+                                  </p:childTnLst>
+                                </p:cTn>
+                              </p:par>
+                            </p:childTnLst>
+                          </p:cTn>
+                        </p:par>
+                      </p:childTnLst>
+                    </p:cTn>
+                  </p:par>
+                  <p:par>
+                    <p:cTn id="19" fill="hold">
+                      <p:stCondLst>
+                        <p:cond delay="indefinite"/>
+                      </p:stCondLst>
+                      <p:childTnLst>
+                        <p:par>
+                          <p:cTn id="20" fill="hold">
+                            <p:stCondLst>
+                              <p:cond delay="0"/>
+                            </p:stCondLst>
+                            <p:childTnLst>
+                              <p:par>
+                                <p:cTn id="21" presetID="1" presetClass="entr" presetSubtype="0" fill="hold" nodeType="clickEffect">
+                                  <p:stCondLst>
+                                    <p:cond delay="0"/>
+                                  </p:stCondLst>
+                                  <p:childTnLst>
+                                    <p:set>
+                                      <p:cBhvr>
+                                        <p:cTn id="22" dur="1" fill="hold">
+                                          <p:stCondLst>
+                                            <p:cond delay="0"/>
+                                          </p:stCondLst>
+                                        </p:cTn>
+                                        <p:tgtEl>
+                                          <p:spTgt spid="24">
+                                            <p:txEl>
+                                              <p:pRg st="6" end="6"/>
+                                            </p:txEl>
+                                          </p:spTgt>
+                                        </p:tgtEl>
+                                        <p:attrNameLst>
+                                          <p:attrName>style.visibility</p:attrName>
+                                        </p:attrNameLst>
+                                      </p:cBhvr>
+                                      <p:to>
+                                        <p:strVal val="visible"/>
+                                      </p:to>
+                                    </p:set>
+                                  </p:childTnLst>
+                                </p:cTn>
+                              </p:par>
+                            </p:childTnLst>
+                          </p:cTn>
+                        </p:par>
+                      </p:childTnLst>
+                    </p:cTn>
+                  </p:par>
+                  <p:par>
+                    <p:cTn id="23" fill="hold">
+                      <p:stCondLst>
+                        <p:cond delay="indefinite"/>
+                      </p:stCondLst>
+                      <p:childTnLst>
+                        <p:par>
+                          <p:cTn id="24" fill="hold">
+                            <p:stCondLst>
+                              <p:cond delay="0"/>
+                            </p:stCondLst>
+                            <p:childTnLst>
+                              <p:par>
+                                <p:cTn id="25" presetID="1" presetClass="entr" presetSubtype="0" fill="hold" nodeType="clickEffect">
+                                  <p:stCondLst>
+                                    <p:cond delay="0"/>
+                                  </p:stCondLst>
+                                  <p:childTnLst>
+                                    <p:set>
+                                      <p:cBhvr>
+                                        <p:cTn id="26" dur="1" fill="hold">
+                                          <p:stCondLst>
+                                            <p:cond delay="0"/>
+                                          </p:stCondLst>
+                                        </p:cTn>
+                                        <p:tgtEl>
+                                          <p:spTgt spid="24">
+                                            <p:txEl>
+                                              <p:pRg st="7" end="7"/>
+                                            </p:txEl>
+                                          </p:spTgt>
+                                        </p:tgtEl>
+                                        <p:attrNameLst>
+                                          <p:attrName>style.visibility</p:attrName>
+                                        </p:attrNameLst>
+                                      </p:cBhvr>
+                                      <p:to>
+                                        <p:strVal val="visible"/>
+                                      </p:to>
+                                    </p:set>
+                                  </p:childTnLst>
+                                </p:cTn>
+                              </p:par>
+                            </p:childTnLst>
+                          </p:cTn>
+                        </p:par>
+                      </p:childTnLst>
+                    </p:cTn>
+                  </p:par>
+                  <p:par>
+                    <p:cTn id="27" fill="hold">
+                      <p:stCondLst>
+                        <p:cond delay="indefinite"/>
+                      </p:stCondLst>
+                      <p:childTnLst>
+                        <p:par>
+                          <p:cTn id="28" fill="hold">
+                            <p:stCondLst>
+                              <p:cond delay="0"/>
+                            </p:stCondLst>
+                            <p:childTnLst>
+                              <p:par>
+                                <p:cTn id="29" presetID="1" presetClass="entr" presetSubtype="0" fill="hold" nodeType="clickEffect">
+                                  <p:stCondLst>
+                                    <p:cond delay="0"/>
+                                  </p:stCondLst>
+                                  <p:childTnLst>
+                                    <p:set>
+                                      <p:cBhvr>
+                                        <p:cTn id="30" dur="1" fill="hold">
+                                          <p:stCondLst>
+                                            <p:cond delay="0"/>
+                                          </p:stCondLst>
+                                        </p:cTn>
+                                        <p:tgtEl>
+                                          <p:spTgt spid="24">
+                                            <p:txEl>
+                                              <p:pRg st="8" end="8"/>
+                                            </p:txEl>
+                                          </p:spTgt>
+                                        </p:tgtEl>
+                                        <p:attrNameLst>
+                                          <p:attrName>style.visibility</p:attrName>
+                                        </p:attrNameLst>
+                                      </p:cBhvr>
+                                      <p:to>
+                                        <p:strVal val="visible"/>
+                                      </p:to>
+                                    </p:set>
+                                  </p:childTnLst>
+                                </p:cTn>
+                              </p:par>
+                            </p:childTnLst>
+                          </p:cTn>
+                        </p:par>
+                      </p:childTnLst>
+                    </p:cTn>
+                  </p:par>
+                </p:childTnLst>
+              </p:cTn>
+              <p:prevCondLst>
+                <p:cond evt="onPrev" delay="0">
+                  <p:tgtEl>
+                    <p:sldTgt/>
+                  </p:tgtEl>
+                </p:cond>
+              </p:prevCondLst>
+              <p:nextCondLst>
+                <p:cond evt="onNext" delay="0">
+                  <p:tgtEl>
+                    <p:sldTgt/>
+                  </p:tgtEl>
+                </p:cond>
+              </p:nextCondLst>
+            </p:seq>
+          </p:childTnLst>
+        </p:cTn>
+      </p:par>
+    </p:tnLst>
+  </p:timing>
 </p:sld>
 </file>
 
@@ -14088,6 +14467,183 @@
   <p:clrMapOvr>
     <a:masterClrMapping/>
   </p:clrMapOvr>
+  <p:timing>
+    <p:tnLst>
+      <p:par>
+        <p:cTn id="1" dur="indefinite" restart="never" nodeType="tmRoot">
+          <p:childTnLst>
+            <p:seq concurrent="1" nextAc="seek">
+              <p:cTn id="2" dur="indefinite" nodeType="mainSeq">
+                <p:childTnLst>
+                  <p:par>
+                    <p:cTn id="3" fill="hold">
+                      <p:stCondLst>
+                        <p:cond delay="indefinite"/>
+                      </p:stCondLst>
+                      <p:childTnLst>
+                        <p:par>
+                          <p:cTn id="4" fill="hold">
+                            <p:stCondLst>
+                              <p:cond delay="0"/>
+                            </p:stCondLst>
+                            <p:childTnLst>
+                              <p:par>
+                                <p:cTn id="5" presetID="1" presetClass="entr" presetSubtype="0" fill="hold" nodeType="clickEffect">
+                                  <p:stCondLst>
+                                    <p:cond delay="0"/>
+                                  </p:stCondLst>
+                                  <p:childTnLst>
+                                    <p:set>
+                                      <p:cBhvr>
+                                        <p:cTn id="6" dur="1" fill="hold">
+                                          <p:stCondLst>
+                                            <p:cond delay="0"/>
+                                          </p:stCondLst>
+                                        </p:cTn>
+                                        <p:tgtEl>
+                                          <p:spTgt spid="3">
+                                            <p:txEl>
+                                              <p:pRg st="0" end="0"/>
+                                            </p:txEl>
+                                          </p:spTgt>
+                                        </p:tgtEl>
+                                        <p:attrNameLst>
+                                          <p:attrName>style.visibility</p:attrName>
+                                        </p:attrNameLst>
+                                      </p:cBhvr>
+                                      <p:to>
+                                        <p:strVal val="visible"/>
+                                      </p:to>
+                                    </p:set>
+                                  </p:childTnLst>
+                                </p:cTn>
+                              </p:par>
+                            </p:childTnLst>
+                          </p:cTn>
+                        </p:par>
+                      </p:childTnLst>
+                    </p:cTn>
+                  </p:par>
+                  <p:par>
+                    <p:cTn id="7" fill="hold">
+                      <p:stCondLst>
+                        <p:cond delay="indefinite"/>
+                      </p:stCondLst>
+                      <p:childTnLst>
+                        <p:par>
+                          <p:cTn id="8" fill="hold">
+                            <p:stCondLst>
+                              <p:cond delay="0"/>
+                            </p:stCondLst>
+                            <p:childTnLst>
+                              <p:par>
+                                <p:cTn id="9" presetID="1" presetClass="entr" presetSubtype="0" fill="hold" nodeType="clickEffect">
+                                  <p:stCondLst>
+                                    <p:cond delay="0"/>
+                                  </p:stCondLst>
+                                  <p:childTnLst>
+                                    <p:set>
+                                      <p:cBhvr>
+                                        <p:cTn id="10" dur="1" fill="hold">
+                                          <p:stCondLst>
+                                            <p:cond delay="0"/>
+                                          </p:stCondLst>
+                                        </p:cTn>
+                                        <p:tgtEl>
+                                          <p:spTgt spid="3">
+                                            <p:txEl>
+                                              <p:pRg st="2" end="2"/>
+                                            </p:txEl>
+                                          </p:spTgt>
+                                        </p:tgtEl>
+                                        <p:attrNameLst>
+                                          <p:attrName>style.visibility</p:attrName>
+                                        </p:attrNameLst>
+                                      </p:cBhvr>
+                                      <p:to>
+                                        <p:strVal val="visible"/>
+                                      </p:to>
+                                    </p:set>
+                                  </p:childTnLst>
+                                </p:cTn>
+                              </p:par>
+                            </p:childTnLst>
+                          </p:cTn>
+                        </p:par>
+                      </p:childTnLst>
+                    </p:cTn>
+                  </p:par>
+                  <p:par>
+                    <p:cTn id="11" fill="hold">
+                      <p:stCondLst>
+                        <p:cond delay="indefinite"/>
+                      </p:stCondLst>
+                      <p:childTnLst>
+                        <p:par>
+                          <p:cTn id="12" fill="hold">
+                            <p:stCondLst>
+                              <p:cond delay="0"/>
+                            </p:stCondLst>
+                            <p:childTnLst>
+                              <p:par>
+                                <p:cTn id="13" presetID="1" presetClass="entr" presetSubtype="0" fill="hold" nodeType="clickEffect">
+                                  <p:stCondLst>
+                                    <p:cond delay="0"/>
+                                  </p:stCondLst>
+                                  <p:childTnLst>
+                                    <p:set>
+                                      <p:cBhvr>
+                                        <p:cTn id="14" dur="1" fill="hold">
+                                          <p:stCondLst>
+                                            <p:cond delay="0"/>
+                                          </p:stCondLst>
+                                        </p:cTn>
+                                        <p:tgtEl>
+                                          <p:spTgt spid="3">
+                                            <p:txEl>
+                                              <p:pRg st="4" end="4"/>
+                                            </p:txEl>
+                                          </p:spTgt>
+                                        </p:tgtEl>
+                                        <p:attrNameLst>
+                                          <p:attrName>style.visibility</p:attrName>
+                                        </p:attrNameLst>
+                                      </p:cBhvr>
+                                      <p:to>
+                                        <p:strVal val="visible"/>
+                                      </p:to>
+                                    </p:set>
+                                  </p:childTnLst>
+                                </p:cTn>
+                              </p:par>
+                            </p:childTnLst>
+                          </p:cTn>
+                        </p:par>
+                      </p:childTnLst>
+                    </p:cTn>
+                  </p:par>
+                </p:childTnLst>
+              </p:cTn>
+              <p:prevCondLst>
+                <p:cond evt="onPrev" delay="0">
+                  <p:tgtEl>
+                    <p:sldTgt/>
+                  </p:tgtEl>
+                </p:cond>
+              </p:prevCondLst>
+              <p:nextCondLst>
+                <p:cond evt="onNext" delay="0">
+                  <p:tgtEl>
+                    <p:sldTgt/>
+                  </p:tgtEl>
+                </p:cond>
+              </p:nextCondLst>
+            </p:seq>
+          </p:childTnLst>
+        </p:cTn>
+      </p:par>
+    </p:tnLst>
+  </p:timing>
 </p:sld>
 </file>
 
@@ -14285,6 +14841,379 @@
   <p:clrMapOvr>
     <a:masterClrMapping/>
   </p:clrMapOvr>
+  <p:timing>
+    <p:tnLst>
+      <p:par>
+        <p:cTn id="1" dur="indefinite" restart="never" nodeType="tmRoot">
+          <p:childTnLst>
+            <p:seq concurrent="1" nextAc="seek">
+              <p:cTn id="2" dur="indefinite" nodeType="mainSeq">
+                <p:childTnLst>
+                  <p:par>
+                    <p:cTn id="3" fill="hold">
+                      <p:stCondLst>
+                        <p:cond delay="indefinite"/>
+                      </p:stCondLst>
+                      <p:childTnLst>
+                        <p:par>
+                          <p:cTn id="4" fill="hold">
+                            <p:stCondLst>
+                              <p:cond delay="0"/>
+                            </p:stCondLst>
+                            <p:childTnLst>
+                              <p:par>
+                                <p:cTn id="5" presetID="1" presetClass="entr" presetSubtype="0" fill="hold" nodeType="clickEffect">
+                                  <p:stCondLst>
+                                    <p:cond delay="0"/>
+                                  </p:stCondLst>
+                                  <p:childTnLst>
+                                    <p:set>
+                                      <p:cBhvr>
+                                        <p:cTn id="6" dur="1" fill="hold">
+                                          <p:stCondLst>
+                                            <p:cond delay="0"/>
+                                          </p:stCondLst>
+                                        </p:cTn>
+                                        <p:tgtEl>
+                                          <p:spTgt spid="3">
+                                            <p:txEl>
+                                              <p:pRg st="0" end="0"/>
+                                            </p:txEl>
+                                          </p:spTgt>
+                                        </p:tgtEl>
+                                        <p:attrNameLst>
+                                          <p:attrName>style.visibility</p:attrName>
+                                        </p:attrNameLst>
+                                      </p:cBhvr>
+                                      <p:to>
+                                        <p:strVal val="visible"/>
+                                      </p:to>
+                                    </p:set>
+                                  </p:childTnLst>
+                                </p:cTn>
+                              </p:par>
+                            </p:childTnLst>
+                          </p:cTn>
+                        </p:par>
+                      </p:childTnLst>
+                    </p:cTn>
+                  </p:par>
+                  <p:par>
+                    <p:cTn id="7" fill="hold">
+                      <p:stCondLst>
+                        <p:cond delay="indefinite"/>
+                      </p:stCondLst>
+                      <p:childTnLst>
+                        <p:par>
+                          <p:cTn id="8" fill="hold">
+                            <p:stCondLst>
+                              <p:cond delay="0"/>
+                            </p:stCondLst>
+                            <p:childTnLst>
+                              <p:par>
+                                <p:cTn id="9" presetID="1" presetClass="entr" presetSubtype="0" fill="hold" nodeType="clickEffect">
+                                  <p:stCondLst>
+                                    <p:cond delay="0"/>
+                                  </p:stCondLst>
+                                  <p:childTnLst>
+                                    <p:set>
+                                      <p:cBhvr>
+                                        <p:cTn id="10" dur="1" fill="hold">
+                                          <p:stCondLst>
+                                            <p:cond delay="0"/>
+                                          </p:stCondLst>
+                                        </p:cTn>
+                                        <p:tgtEl>
+                                          <p:spTgt spid="3">
+                                            <p:txEl>
+                                              <p:pRg st="2" end="2"/>
+                                            </p:txEl>
+                                          </p:spTgt>
+                                        </p:tgtEl>
+                                        <p:attrNameLst>
+                                          <p:attrName>style.visibility</p:attrName>
+                                        </p:attrNameLst>
+                                      </p:cBhvr>
+                                      <p:to>
+                                        <p:strVal val="visible"/>
+                                      </p:to>
+                                    </p:set>
+                                  </p:childTnLst>
+                                </p:cTn>
+                              </p:par>
+                            </p:childTnLst>
+                          </p:cTn>
+                        </p:par>
+                      </p:childTnLst>
+                    </p:cTn>
+                  </p:par>
+                  <p:par>
+                    <p:cTn id="11" fill="hold">
+                      <p:stCondLst>
+                        <p:cond delay="indefinite"/>
+                      </p:stCondLst>
+                      <p:childTnLst>
+                        <p:par>
+                          <p:cTn id="12" fill="hold">
+                            <p:stCondLst>
+                              <p:cond delay="0"/>
+                            </p:stCondLst>
+                            <p:childTnLst>
+                              <p:par>
+                                <p:cTn id="13" presetID="1" presetClass="entr" presetSubtype="0" fill="hold" nodeType="clickEffect">
+                                  <p:stCondLst>
+                                    <p:cond delay="0"/>
+                                  </p:stCondLst>
+                                  <p:childTnLst>
+                                    <p:set>
+                                      <p:cBhvr>
+                                        <p:cTn id="14" dur="1" fill="hold">
+                                          <p:stCondLst>
+                                            <p:cond delay="0"/>
+                                          </p:stCondLst>
+                                        </p:cTn>
+                                        <p:tgtEl>
+                                          <p:spTgt spid="3">
+                                            <p:txEl>
+                                              <p:pRg st="4" end="4"/>
+                                            </p:txEl>
+                                          </p:spTgt>
+                                        </p:tgtEl>
+                                        <p:attrNameLst>
+                                          <p:attrName>style.visibility</p:attrName>
+                                        </p:attrNameLst>
+                                      </p:cBhvr>
+                                      <p:to>
+                                        <p:strVal val="visible"/>
+                                      </p:to>
+                                    </p:set>
+                                  </p:childTnLst>
+                                </p:cTn>
+                              </p:par>
+                            </p:childTnLst>
+                          </p:cTn>
+                        </p:par>
+                      </p:childTnLst>
+                    </p:cTn>
+                  </p:par>
+                  <p:par>
+                    <p:cTn id="15" fill="hold">
+                      <p:stCondLst>
+                        <p:cond delay="indefinite"/>
+                      </p:stCondLst>
+                      <p:childTnLst>
+                        <p:par>
+                          <p:cTn id="16" fill="hold">
+                            <p:stCondLst>
+                              <p:cond delay="0"/>
+                            </p:stCondLst>
+                            <p:childTnLst>
+                              <p:par>
+                                <p:cTn id="17" presetID="1" presetClass="entr" presetSubtype="0" fill="hold" nodeType="clickEffect">
+                                  <p:stCondLst>
+                                    <p:cond delay="0"/>
+                                  </p:stCondLst>
+                                  <p:childTnLst>
+                                    <p:set>
+                                      <p:cBhvr>
+                                        <p:cTn id="18" dur="1" fill="hold">
+                                          <p:stCondLst>
+                                            <p:cond delay="0"/>
+                                          </p:stCondLst>
+                                        </p:cTn>
+                                        <p:tgtEl>
+                                          <p:spTgt spid="3">
+                                            <p:txEl>
+                                              <p:pRg st="5" end="5"/>
+                                            </p:txEl>
+                                          </p:spTgt>
+                                        </p:tgtEl>
+                                        <p:attrNameLst>
+                                          <p:attrName>style.visibility</p:attrName>
+                                        </p:attrNameLst>
+                                      </p:cBhvr>
+                                      <p:to>
+                                        <p:strVal val="visible"/>
+                                      </p:to>
+                                    </p:set>
+                                  </p:childTnLst>
+                                </p:cTn>
+                              </p:par>
+                            </p:childTnLst>
+                          </p:cTn>
+                        </p:par>
+                      </p:childTnLst>
+                    </p:cTn>
+                  </p:par>
+                  <p:par>
+                    <p:cTn id="19" fill="hold">
+                      <p:stCondLst>
+                        <p:cond delay="indefinite"/>
+                      </p:stCondLst>
+                      <p:childTnLst>
+                        <p:par>
+                          <p:cTn id="20" fill="hold">
+                            <p:stCondLst>
+                              <p:cond delay="0"/>
+                            </p:stCondLst>
+                            <p:childTnLst>
+                              <p:par>
+                                <p:cTn id="21" presetID="1" presetClass="entr" presetSubtype="0" fill="hold" nodeType="clickEffect">
+                                  <p:stCondLst>
+                                    <p:cond delay="0"/>
+                                  </p:stCondLst>
+                                  <p:childTnLst>
+                                    <p:set>
+                                      <p:cBhvr>
+                                        <p:cTn id="22" dur="1" fill="hold">
+                                          <p:stCondLst>
+                                            <p:cond delay="0"/>
+                                          </p:stCondLst>
+                                        </p:cTn>
+                                        <p:tgtEl>
+                                          <p:spTgt spid="3">
+                                            <p:txEl>
+                                              <p:pRg st="6" end="6"/>
+                                            </p:txEl>
+                                          </p:spTgt>
+                                        </p:tgtEl>
+                                        <p:attrNameLst>
+                                          <p:attrName>style.visibility</p:attrName>
+                                        </p:attrNameLst>
+                                      </p:cBhvr>
+                                      <p:to>
+                                        <p:strVal val="visible"/>
+                                      </p:to>
+                                    </p:set>
+                                  </p:childTnLst>
+                                </p:cTn>
+                              </p:par>
+                            </p:childTnLst>
+                          </p:cTn>
+                        </p:par>
+                      </p:childTnLst>
+                    </p:cTn>
+                  </p:par>
+                  <p:par>
+                    <p:cTn id="23" fill="hold">
+                      <p:stCondLst>
+                        <p:cond delay="indefinite"/>
+                      </p:stCondLst>
+                      <p:childTnLst>
+                        <p:par>
+                          <p:cTn id="24" fill="hold">
+                            <p:stCondLst>
+                              <p:cond delay="0"/>
+                            </p:stCondLst>
+                            <p:childTnLst>
+                              <p:par>
+                                <p:cTn id="25" presetID="1" presetClass="entr" presetSubtype="0" fill="hold" nodeType="clickEffect">
+                                  <p:stCondLst>
+                                    <p:cond delay="0"/>
+                                  </p:stCondLst>
+                                  <p:childTnLst>
+                                    <p:set>
+                                      <p:cBhvr>
+                                        <p:cTn id="26" dur="1" fill="hold">
+                                          <p:stCondLst>
+                                            <p:cond delay="0"/>
+                                          </p:stCondLst>
+                                        </p:cTn>
+                                        <p:tgtEl>
+                                          <p:spTgt spid="3">
+                                            <p:txEl>
+                                              <p:pRg st="7" end="7"/>
+                                            </p:txEl>
+                                          </p:spTgt>
+                                        </p:tgtEl>
+                                        <p:attrNameLst>
+                                          <p:attrName>style.visibility</p:attrName>
+                                        </p:attrNameLst>
+                                      </p:cBhvr>
+                                      <p:to>
+                                        <p:strVal val="visible"/>
+                                      </p:to>
+                                    </p:set>
+                                  </p:childTnLst>
+                                </p:cTn>
+                              </p:par>
+                            </p:childTnLst>
+                          </p:cTn>
+                        </p:par>
+                      </p:childTnLst>
+                    </p:cTn>
+                  </p:par>
+                  <p:par>
+                    <p:cTn id="27" fill="hold">
+                      <p:stCondLst>
+                        <p:cond delay="indefinite"/>
+                      </p:stCondLst>
+                      <p:childTnLst>
+                        <p:par>
+                          <p:cTn id="28" fill="hold">
+                            <p:stCondLst>
+                              <p:cond delay="0"/>
+                            </p:stCondLst>
+                            <p:childTnLst>
+                              <p:par>
+                                <p:cTn id="29" presetID="1" presetClass="entr" presetSubtype="0" fill="hold" nodeType="clickEffect">
+                                  <p:stCondLst>
+                                    <p:cond delay="0"/>
+                                  </p:stCondLst>
+                                  <p:childTnLst>
+                                    <p:set>
+                                      <p:cBhvr>
+                                        <p:cTn id="30" dur="1" fill="hold">
+                                          <p:stCondLst>
+                                            <p:cond delay="0"/>
+                                          </p:stCondLst>
+                                        </p:cTn>
+                                        <p:tgtEl>
+                                          <p:spTgt spid="3">
+                                            <p:txEl>
+                                              <p:pRg st="8" end="8"/>
+                                            </p:txEl>
+                                          </p:spTgt>
+                                        </p:tgtEl>
+                                        <p:attrNameLst>
+                                          <p:attrName>style.visibility</p:attrName>
+                                        </p:attrNameLst>
+                                      </p:cBhvr>
+                                      <p:to>
+                                        <p:strVal val="visible"/>
+                                      </p:to>
+                                    </p:set>
+                                  </p:childTnLst>
+                                </p:cTn>
+                              </p:par>
+                            </p:childTnLst>
+                          </p:cTn>
+                        </p:par>
+                      </p:childTnLst>
+                    </p:cTn>
+                  </p:par>
+                </p:childTnLst>
+              </p:cTn>
+              <p:prevCondLst>
+                <p:cond evt="onPrev" delay="0">
+                  <p:tgtEl>
+                    <p:sldTgt/>
+                  </p:tgtEl>
+                </p:cond>
+              </p:prevCondLst>
+              <p:nextCondLst>
+                <p:cond evt="onNext" delay="0">
+                  <p:tgtEl>
+                    <p:sldTgt/>
+                  </p:tgtEl>
+                </p:cond>
+              </p:nextCondLst>
+            </p:seq>
+          </p:childTnLst>
+        </p:cTn>
+      </p:par>
+    </p:tnLst>
+  </p:timing>
 </p:sld>
 </file>
 
@@ -14455,6 +15384,134 @@
   <p:clrMapOvr>
     <a:masterClrMapping/>
   </p:clrMapOvr>
+  <p:timing>
+    <p:tnLst>
+      <p:par>
+        <p:cTn id="1" dur="indefinite" restart="never" nodeType="tmRoot">
+          <p:childTnLst>
+            <p:seq concurrent="1" nextAc="seek">
+              <p:cTn id="2" dur="indefinite" nodeType="mainSeq">
+                <p:childTnLst>
+                  <p:par>
+                    <p:cTn id="3" fill="hold">
+                      <p:stCondLst>
+                        <p:cond delay="indefinite"/>
+                      </p:stCondLst>
+                      <p:childTnLst>
+                        <p:par>
+                          <p:cTn id="4" fill="hold">
+                            <p:stCondLst>
+                              <p:cond delay="0"/>
+                            </p:stCondLst>
+                            <p:childTnLst>
+                              <p:par>
+                                <p:cTn id="5" presetID="1" presetClass="entr" presetSubtype="0" fill="hold" nodeType="clickEffect">
+                                  <p:stCondLst>
+                                    <p:cond delay="0"/>
+                                  </p:stCondLst>
+                                  <p:childTnLst>
+                                    <p:set>
+                                      <p:cBhvr>
+                                        <p:cTn id="6" dur="1" fill="hold">
+                                          <p:stCondLst>
+                                            <p:cond delay="0"/>
+                                          </p:stCondLst>
+                                        </p:cTn>
+                                        <p:tgtEl>
+                                          <p:spTgt spid="3">
+                                            <p:txEl>
+                                              <p:pRg st="0" end="0"/>
+                                            </p:txEl>
+                                          </p:spTgt>
+                                        </p:tgtEl>
+                                        <p:attrNameLst>
+                                          <p:attrName>style.visibility</p:attrName>
+                                        </p:attrNameLst>
+                                      </p:cBhvr>
+                                      <p:to>
+                                        <p:strVal val="visible"/>
+                                      </p:to>
+                                    </p:set>
+                                  </p:childTnLst>
+                                </p:cTn>
+                              </p:par>
+                            </p:childTnLst>
+                          </p:cTn>
+                        </p:par>
+                      </p:childTnLst>
+                    </p:cTn>
+                  </p:par>
+                  <p:par>
+                    <p:cTn id="7" fill="hold">
+                      <p:stCondLst>
+                        <p:cond delay="indefinite"/>
+                      </p:stCondLst>
+                      <p:childTnLst>
+                        <p:par>
+                          <p:cTn id="8" fill="hold">
+                            <p:stCondLst>
+                              <p:cond delay="0"/>
+                            </p:stCondLst>
+                            <p:childTnLst>
+                              <p:par>
+                                <p:cTn id="9" presetID="1" presetClass="entr" presetSubtype="0" fill="hold" nodeType="clickEffect">
+                                  <p:stCondLst>
+                                    <p:cond delay="0"/>
+                                  </p:stCondLst>
+                                  <p:childTnLst>
+                                    <p:set>
+                                      <p:cBhvr>
+                                        <p:cTn id="10" dur="1" fill="hold">
+                                          <p:stCondLst>
+                                            <p:cond delay="0"/>
+                                          </p:stCondLst>
+                                        </p:cTn>
+                                        <p:tgtEl>
+                                          <p:spTgt spid="3">
+                                            <p:txEl>
+                                              <p:pRg st="2" end="2"/>
+                                            </p:txEl>
+                                          </p:spTgt>
+                                        </p:tgtEl>
+                                        <p:attrNameLst>
+                                          <p:attrName>style.visibility</p:attrName>
+                                        </p:attrNameLst>
+                                      </p:cBhvr>
+                                      <p:to>
+                                        <p:strVal val="visible"/>
+                                      </p:to>
+                                    </p:set>
+                                  </p:childTnLst>
+                                </p:cTn>
+                              </p:par>
+                            </p:childTnLst>
+                          </p:cTn>
+                        </p:par>
+                      </p:childTnLst>
+                    </p:cTn>
+                  </p:par>
+                </p:childTnLst>
+              </p:cTn>
+              <p:prevCondLst>
+                <p:cond evt="onPrev" delay="0">
+                  <p:tgtEl>
+                    <p:sldTgt/>
+                  </p:tgtEl>
+                </p:cond>
+              </p:prevCondLst>
+              <p:nextCondLst>
+                <p:cond evt="onNext" delay="0">
+                  <p:tgtEl>
+                    <p:sldTgt/>
+                  </p:tgtEl>
+                </p:cond>
+              </p:nextCondLst>
+            </p:seq>
+          </p:childTnLst>
+        </p:cTn>
+      </p:par>
+    </p:tnLst>
+  </p:timing>
 </p:sld>
 </file>
 
@@ -14620,6 +15677,232 @@
   <p:clrMapOvr>
     <a:masterClrMapping/>
   </p:clrMapOvr>
+  <p:timing>
+    <p:tnLst>
+      <p:par>
+        <p:cTn id="1" dur="indefinite" restart="never" nodeType="tmRoot">
+          <p:childTnLst>
+            <p:seq concurrent="1" nextAc="seek">
+              <p:cTn id="2" dur="indefinite" nodeType="mainSeq">
+                <p:childTnLst>
+                  <p:par>
+                    <p:cTn id="3" fill="hold">
+                      <p:stCondLst>
+                        <p:cond delay="indefinite"/>
+                      </p:stCondLst>
+                      <p:childTnLst>
+                        <p:par>
+                          <p:cTn id="4" fill="hold">
+                            <p:stCondLst>
+                              <p:cond delay="0"/>
+                            </p:stCondLst>
+                            <p:childTnLst>
+                              <p:par>
+                                <p:cTn id="5" presetID="1" presetClass="entr" presetSubtype="0" fill="hold" nodeType="clickEffect">
+                                  <p:stCondLst>
+                                    <p:cond delay="0"/>
+                                  </p:stCondLst>
+                                  <p:childTnLst>
+                                    <p:set>
+                                      <p:cBhvr>
+                                        <p:cTn id="6" dur="1" fill="hold">
+                                          <p:stCondLst>
+                                            <p:cond delay="0"/>
+                                          </p:stCondLst>
+                                        </p:cTn>
+                                        <p:tgtEl>
+                                          <p:spTgt spid="3">
+                                            <p:txEl>
+                                              <p:pRg st="0" end="0"/>
+                                            </p:txEl>
+                                          </p:spTgt>
+                                        </p:tgtEl>
+                                        <p:attrNameLst>
+                                          <p:attrName>style.visibility</p:attrName>
+                                        </p:attrNameLst>
+                                      </p:cBhvr>
+                                      <p:to>
+                                        <p:strVal val="visible"/>
+                                      </p:to>
+                                    </p:set>
+                                  </p:childTnLst>
+                                </p:cTn>
+                              </p:par>
+                            </p:childTnLst>
+                          </p:cTn>
+                        </p:par>
+                      </p:childTnLst>
+                    </p:cTn>
+                  </p:par>
+                  <p:par>
+                    <p:cTn id="7" fill="hold">
+                      <p:stCondLst>
+                        <p:cond delay="indefinite"/>
+                      </p:stCondLst>
+                      <p:childTnLst>
+                        <p:par>
+                          <p:cTn id="8" fill="hold">
+                            <p:stCondLst>
+                              <p:cond delay="0"/>
+                            </p:stCondLst>
+                            <p:childTnLst>
+                              <p:par>
+                                <p:cTn id="9" presetID="1" presetClass="entr" presetSubtype="0" fill="hold" nodeType="clickEffect">
+                                  <p:stCondLst>
+                                    <p:cond delay="0"/>
+                                  </p:stCondLst>
+                                  <p:childTnLst>
+                                    <p:set>
+                                      <p:cBhvr>
+                                        <p:cTn id="10" dur="1" fill="hold">
+                                          <p:stCondLst>
+                                            <p:cond delay="0"/>
+                                          </p:stCondLst>
+                                        </p:cTn>
+                                        <p:tgtEl>
+                                          <p:spTgt spid="3">
+                                            <p:txEl>
+                                              <p:pRg st="1" end="1"/>
+                                            </p:txEl>
+                                          </p:spTgt>
+                                        </p:tgtEl>
+                                        <p:attrNameLst>
+                                          <p:attrName>style.visibility</p:attrName>
+                                        </p:attrNameLst>
+                                      </p:cBhvr>
+                                      <p:to>
+                                        <p:strVal val="visible"/>
+                                      </p:to>
+                                    </p:set>
+                                  </p:childTnLst>
+                                </p:cTn>
+                              </p:par>
+                            </p:childTnLst>
+                          </p:cTn>
+                        </p:par>
+                      </p:childTnLst>
+                    </p:cTn>
+                  </p:par>
+                  <p:par>
+                    <p:cTn id="11" fill="hold">
+                      <p:stCondLst>
+                        <p:cond delay="indefinite"/>
+                      </p:stCondLst>
+                      <p:childTnLst>
+                        <p:par>
+                          <p:cTn id="12" fill="hold">
+                            <p:stCondLst>
+                              <p:cond delay="0"/>
+                            </p:stCondLst>
+                            <p:childTnLst>
+                              <p:par>
+                                <p:cTn id="13" presetID="1" presetClass="entr" presetSubtype="0" fill="hold" nodeType="clickEffect">
+                                  <p:stCondLst>
+                                    <p:cond delay="0"/>
+                                  </p:stCondLst>
+                                  <p:childTnLst>
+                                    <p:set>
+                                      <p:cBhvr>
+                                        <p:cTn id="14" dur="1" fill="hold">
+                                          <p:stCondLst>
+                                            <p:cond delay="0"/>
+                                          </p:stCondLst>
+                                        </p:cTn>
+                                        <p:tgtEl>
+                                          <p:spTgt spid="3">
+                                            <p:txEl>
+                                              <p:pRg st="2" end="2"/>
+                                            </p:txEl>
+                                          </p:spTgt>
+                                        </p:tgtEl>
+                                        <p:attrNameLst>
+                                          <p:attrName>style.visibility</p:attrName>
+                                        </p:attrNameLst>
+                                      </p:cBhvr>
+                                      <p:to>
+                                        <p:strVal val="visible"/>
+                                      </p:to>
+                                    </p:set>
+                                  </p:childTnLst>
+                                </p:cTn>
+                              </p:par>
+                            </p:childTnLst>
+                          </p:cTn>
+                        </p:par>
+                      </p:childTnLst>
+                    </p:cTn>
+                  </p:par>
+                  <p:par>
+                    <p:cTn id="15" fill="hold">
+                      <p:stCondLst>
+                        <p:cond delay="indefinite"/>
+                      </p:stCondLst>
+                      <p:childTnLst>
+                        <p:par>
+                          <p:cTn id="16" fill="hold">
+                            <p:stCondLst>
+                              <p:cond delay="0"/>
+                            </p:stCondLst>
+                            <p:childTnLst>
+                              <p:par>
+                                <p:cTn id="17" presetID="1" presetClass="entr" presetSubtype="0" fill="hold" nodeType="clickEffect">
+                                  <p:stCondLst>
+                                    <p:cond delay="0"/>
+                                  </p:stCondLst>
+                                  <p:childTnLst>
+                                    <p:set>
+                                      <p:cBhvr>
+                                        <p:cTn id="18" dur="1" fill="hold">
+                                          <p:stCondLst>
+                                            <p:cond delay="0"/>
+                                          </p:stCondLst>
+                                        </p:cTn>
+                                        <p:tgtEl>
+                                          <p:spTgt spid="3">
+                                            <p:txEl>
+                                              <p:pRg st="3" end="3"/>
+                                            </p:txEl>
+                                          </p:spTgt>
+                                        </p:tgtEl>
+                                        <p:attrNameLst>
+                                          <p:attrName>style.visibility</p:attrName>
+                                        </p:attrNameLst>
+                                      </p:cBhvr>
+                                      <p:to>
+                                        <p:strVal val="visible"/>
+                                      </p:to>
+                                    </p:set>
+                                  </p:childTnLst>
+                                </p:cTn>
+                              </p:par>
+                            </p:childTnLst>
+                          </p:cTn>
+                        </p:par>
+                      </p:childTnLst>
+                    </p:cTn>
+                  </p:par>
+                </p:childTnLst>
+              </p:cTn>
+              <p:prevCondLst>
+                <p:cond evt="onPrev" delay="0">
+                  <p:tgtEl>
+                    <p:sldTgt/>
+                  </p:tgtEl>
+                </p:cond>
+              </p:prevCondLst>
+              <p:nextCondLst>
+                <p:cond evt="onNext" delay="0">
+                  <p:tgtEl>
+                    <p:sldTgt/>
+                  </p:tgtEl>
+                </p:cond>
+              </p:nextCondLst>
+            </p:seq>
+          </p:childTnLst>
+        </p:cTn>
+      </p:par>
+    </p:tnLst>
+  </p:timing>
 </p:sld>
 </file>
 
@@ -14764,6 +16047,134 @@
   <p:clrMapOvr>
     <a:masterClrMapping/>
   </p:clrMapOvr>
+  <p:timing>
+    <p:tnLst>
+      <p:par>
+        <p:cTn id="1" dur="indefinite" restart="never" nodeType="tmRoot">
+          <p:childTnLst>
+            <p:seq concurrent="1" nextAc="seek">
+              <p:cTn id="2" dur="indefinite" nodeType="mainSeq">
+                <p:childTnLst>
+                  <p:par>
+                    <p:cTn id="3" fill="hold">
+                      <p:stCondLst>
+                        <p:cond delay="indefinite"/>
+                      </p:stCondLst>
+                      <p:childTnLst>
+                        <p:par>
+                          <p:cTn id="4" fill="hold">
+                            <p:stCondLst>
+                              <p:cond delay="0"/>
+                            </p:stCondLst>
+                            <p:childTnLst>
+                              <p:par>
+                                <p:cTn id="5" presetID="1" presetClass="entr" presetSubtype="0" fill="hold" nodeType="clickEffect">
+                                  <p:stCondLst>
+                                    <p:cond delay="0"/>
+                                  </p:stCondLst>
+                                  <p:childTnLst>
+                                    <p:set>
+                                      <p:cBhvr>
+                                        <p:cTn id="6" dur="1" fill="hold">
+                                          <p:stCondLst>
+                                            <p:cond delay="0"/>
+                                          </p:stCondLst>
+                                        </p:cTn>
+                                        <p:tgtEl>
+                                          <p:spTgt spid="3">
+                                            <p:txEl>
+                                              <p:pRg st="0" end="0"/>
+                                            </p:txEl>
+                                          </p:spTgt>
+                                        </p:tgtEl>
+                                        <p:attrNameLst>
+                                          <p:attrName>style.visibility</p:attrName>
+                                        </p:attrNameLst>
+                                      </p:cBhvr>
+                                      <p:to>
+                                        <p:strVal val="visible"/>
+                                      </p:to>
+                                    </p:set>
+                                  </p:childTnLst>
+                                </p:cTn>
+                              </p:par>
+                            </p:childTnLst>
+                          </p:cTn>
+                        </p:par>
+                      </p:childTnLst>
+                    </p:cTn>
+                  </p:par>
+                  <p:par>
+                    <p:cTn id="7" fill="hold">
+                      <p:stCondLst>
+                        <p:cond delay="indefinite"/>
+                      </p:stCondLst>
+                      <p:childTnLst>
+                        <p:par>
+                          <p:cTn id="8" fill="hold">
+                            <p:stCondLst>
+                              <p:cond delay="0"/>
+                            </p:stCondLst>
+                            <p:childTnLst>
+                              <p:par>
+                                <p:cTn id="9" presetID="1" presetClass="entr" presetSubtype="0" fill="hold" nodeType="clickEffect">
+                                  <p:stCondLst>
+                                    <p:cond delay="0"/>
+                                  </p:stCondLst>
+                                  <p:childTnLst>
+                                    <p:set>
+                                      <p:cBhvr>
+                                        <p:cTn id="10" dur="1" fill="hold">
+                                          <p:stCondLst>
+                                            <p:cond delay="0"/>
+                                          </p:stCondLst>
+                                        </p:cTn>
+                                        <p:tgtEl>
+                                          <p:spTgt spid="3">
+                                            <p:txEl>
+                                              <p:pRg st="1" end="1"/>
+                                            </p:txEl>
+                                          </p:spTgt>
+                                        </p:tgtEl>
+                                        <p:attrNameLst>
+                                          <p:attrName>style.visibility</p:attrName>
+                                        </p:attrNameLst>
+                                      </p:cBhvr>
+                                      <p:to>
+                                        <p:strVal val="visible"/>
+                                      </p:to>
+                                    </p:set>
+                                  </p:childTnLst>
+                                </p:cTn>
+                              </p:par>
+                            </p:childTnLst>
+                          </p:cTn>
+                        </p:par>
+                      </p:childTnLst>
+                    </p:cTn>
+                  </p:par>
+                </p:childTnLst>
+              </p:cTn>
+              <p:prevCondLst>
+                <p:cond evt="onPrev" delay="0">
+                  <p:tgtEl>
+                    <p:sldTgt/>
+                  </p:tgtEl>
+                </p:cond>
+              </p:prevCondLst>
+              <p:nextCondLst>
+                <p:cond evt="onNext" delay="0">
+                  <p:tgtEl>
+                    <p:sldTgt/>
+                  </p:tgtEl>
+                </p:cond>
+              </p:nextCondLst>
+            </p:seq>
+          </p:childTnLst>
+        </p:cTn>
+      </p:par>
+    </p:tnLst>
+  </p:timing>
 </p:sld>
 </file>
 
